--- a/Final_project比特幣漲跌預測.pptx
+++ b/Final_project比特幣漲跌預測.pptx
@@ -4030,14 +4030,7 @@
                 <a:latin typeface="微軟正黑體" panose="020B0604030504040204" charset="-120"/>
                 <a:ea typeface="微軟正黑體" panose="020B0604030504040204" charset="-120"/>
               </a:rPr>
-              <a:t>比例</a:t>
-            </a:r>
-            <a:r>
-              <a:rPr lang="zh-TW" altLang="en-US" sz="3200">
-                <a:latin typeface="微軟正黑體" panose="020B0604030504040204" charset="-120"/>
-                <a:ea typeface="微軟正黑體" panose="020B0604030504040204" charset="-120"/>
-              </a:rPr>
-              <a:t>分別為</a:t>
+              <a:t>比例分別為</a:t>
             </a:r>
             <a:r>
               <a:rPr lang="en-US" altLang="zh-TW" sz="3200">
@@ -5362,21 +5355,7 @@
                 <a:latin typeface="Times New Roman" panose="02020603050405020304" charset="0"/>
                 <a:ea typeface="標楷體" panose="03000509000000000000" charset="-120"/>
               </a:rPr>
-              <a:t>與隨</a:t>
-            </a:r>
-            <a:r>
-              <a:rPr lang="zh-TW" altLang="en-US" sz="6000">
-                <a:latin typeface="Times New Roman" panose="02020603050405020304" charset="0"/>
-                <a:ea typeface="標楷體" panose="03000509000000000000" charset="-120"/>
-              </a:rPr>
-              <a:t>機森林</a:t>
-            </a:r>
-            <a:r>
-              <a:rPr lang="zh-TW" altLang="en-US" sz="6000">
-                <a:latin typeface="Times New Roman" panose="02020603050405020304" charset="0"/>
-                <a:ea typeface="標楷體" panose="03000509000000000000" charset="-120"/>
-              </a:rPr>
-              <a:t>模型預測結果</a:t>
+              <a:t>與隨機森林模型預測結果</a:t>
             </a:r>
             <a:endParaRPr lang="zh-TW" altLang="en-US" sz="6000">
               <a:latin typeface="Times New Roman" panose="02020603050405020304" charset="0"/>
@@ -6114,11 +6093,7 @@
           <a:p>
             <a:r>
               <a:rPr lang="zh-TW" altLang="en-US"/>
-              <a:t>隨機森林</a:t>
-            </a:r>
-            <a:r>
-              <a:rPr lang="zh-TW" altLang="en-US"/>
-              <a:t>視覺化結果</a:t>
+              <a:t>隨機森林視覺化結果</a:t>
             </a:r>
             <a:endParaRPr lang="zh-TW" altLang="en-US"/>
           </a:p>
@@ -6638,11 +6613,7 @@
           <a:p>
             <a:r>
               <a:rPr lang="zh-TW" altLang="en-US"/>
-              <a:t>模型</a:t>
-            </a:r>
-            <a:r>
-              <a:rPr lang="zh-TW" altLang="en-US"/>
-              <a:t>小結</a:t>
+              <a:t>模型小結</a:t>
             </a:r>
             <a:endParaRPr lang="zh-TW" altLang="en-US"/>
           </a:p>
@@ -6715,15 +6686,7 @@
             </a:pPr>
             <a:r>
               <a:rPr lang="zh-TW" altLang="en-US"/>
-              <a:t>模型的部分優劣大致與股票分析相同，但其中又存在一定的差異性，因此後續</a:t>
-            </a:r>
-            <a:r>
-              <a:rPr lang="zh-TW" altLang="en-US"/>
-              <a:t>會著重於分析比特幣與股票兩者間的性質差異，去解析為何準確落差</a:t>
-            </a:r>
-            <a:r>
-              <a:rPr lang="zh-TW" altLang="en-US"/>
-              <a:t>如此巨大。</a:t>
+              <a:t>模型的部分優劣大致與股票分析相同，但其中又存在一定的差異性，因此後續會著重於分析比特幣與股票兩者間的性質差異，去解析為何準確落差如此巨大。</a:t>
             </a:r>
             <a:endParaRPr lang="zh-TW" altLang="en-US"/>
           </a:p>
@@ -6917,7 +6880,7 @@
             </a:pPr>
             <a:r>
               <a:rPr lang="zh-TW" altLang="en-US">
-                <a:hlinkClick r:id="rId1" tooltip="" action="ppaction://hlinkfile"/>
+                <a:hlinkClick r:id="rId1" action="ppaction://hlinkfile"/>
               </a:rPr>
               <a:t>馬斯克估重新接受比特幣，要求礦工使用50％乾淨能源！比特幣漲回4字頭</a:t>
             </a:r>
@@ -7725,12 +7688,9 @@
         <p:txBody>
           <a:bodyPr/>
           <a:p>
-            <a:r>
-              <a:rPr lang="zh-TW" altLang="en-US">
-                <a:hlinkClick r:id="rId1" action="ppaction://hlinkfile"/>
-              </a:rPr>
-              <a:t>https://www.6aiq.com/article/1558505752984</a:t>
-            </a:r>
+            <a:pPr marL="0" indent="0">
+              <a:buNone/>
+            </a:pPr>
             <a:endParaRPr lang="zh-TW" altLang="en-US">
               <a:hlinkClick r:id="rId1" action="ppaction://hlinkfile"/>
             </a:endParaRPr>
@@ -7738,31 +7698,51 @@
           <a:p>
             <a:r>
               <a:rPr lang="zh-TW" altLang="en-US">
-                <a:hlinkClick r:id="rId2" action="ppaction://hlinkfile"/>
-              </a:rPr>
-              <a:t>https://hackmd.io/@allen108108/H1l4zqtp4</a:t>
+                <a:hlinkClick r:id="rId1" tooltip="" action="ppaction://hlinkfile"/>
+              </a:rPr>
+              <a:t>LSTM 原理与实践，原来如此简单</a:t>
+            </a:r>
+            <a:endParaRPr lang="zh-TW" altLang="en-US"/>
+          </a:p>
+          <a:p>
+            <a:r>
+              <a:rPr lang="zh-TW" altLang="en-US">
+                <a:hlinkClick r:id="rId2" tooltip="" action="ppaction://hlinkfile"/>
+              </a:rPr>
+              <a:t>比特币k线图和股票一样吗？有区别吗？</a:t>
             </a:r>
             <a:endParaRPr lang="zh-TW" altLang="en-US">
-              <a:hlinkClick r:id="rId2" action="ppaction://hlinkfile"/>
+              <a:hlinkClick r:id="rId2" tooltip="" action="ppaction://hlinkfile"/>
             </a:endParaRPr>
           </a:p>
           <a:p>
             <a:r>
               <a:rPr lang="zh-TW" altLang="en-US">
-                <a:hlinkClick r:id="rId3" action="ppaction://hlinkfile"/>
-              </a:rPr>
-              <a:t>https://www.chaindaily.cc/posts/1fe9d0bf9b615a72704e6244922b38b1</a:t>
+                <a:hlinkClick r:id="rId3" tooltip="" action="ppaction://hlinkfile"/>
+              </a:rPr>
+              <a:t>比特幣k線圖和股票一樣嗎？有區別嗎？</a:t>
             </a:r>
             <a:endParaRPr lang="zh-TW" altLang="en-US">
-              <a:hlinkClick r:id="rId3" action="ppaction://hlinkfile"/>
+              <a:hlinkClick r:id="rId3" tooltip="" action="ppaction://hlinkfile"/>
             </a:endParaRPr>
           </a:p>
           <a:p>
             <a:r>
               <a:rPr lang="zh-TW" altLang="en-US">
-                <a:hlinkClick r:id="rId4" action="ppaction://hlinkfile"/>
-              </a:rPr>
-              <a:t>https://zhuanlan.zhihu.com/p/349832144</a:t>
+                <a:hlinkClick r:id="rId4" tooltip="" action="ppaction://hlinkfile"/>
+              </a:rPr>
+              <a:t>Adagrad、RMSprop、Momentum and Adam – 特殊的學習率調整方式</a:t>
+            </a:r>
+            <a:endParaRPr lang="zh-TW" altLang="en-US">
+              <a:hlinkClick r:id="rId4" tooltip="" action="ppaction://hlinkfile"/>
+            </a:endParaRPr>
+          </a:p>
+          <a:p>
+            <a:r>
+              <a:rPr lang="zh-TW" altLang="en-US">
+                <a:hlinkClick r:id="rId5" tooltip="" action="ppaction://hlinkfile"/>
+              </a:rPr>
+              <a:t>Bitcoin Time Series Forecasting</a:t>
             </a:r>
             <a:endParaRPr lang="zh-TW" altLang="en-US"/>
           </a:p>
@@ -7922,25 +7902,7 @@
                 <a:cs typeface="微軟正黑體" panose="020B0604030504040204" charset="-120"/>
                 <a:sym typeface="+mn-ea"/>
               </a:rPr>
-              <a:t>後，</a:t>
-            </a:r>
-            <a:r>
-              <a:rPr lang="zh-TW" altLang="en-US" sz="2800">
-                <a:latin typeface="微軟正黑體" panose="020B0604030504040204" charset="-120"/>
-                <a:ea typeface="微軟正黑體" panose="020B0604030504040204" charset="-120"/>
-                <a:cs typeface="微軟正黑體" panose="020B0604030504040204" charset="-120"/>
-                <a:sym typeface="+mn-ea"/>
-              </a:rPr>
-              <a:t>再探討</a:t>
-            </a:r>
-            <a:r>
-              <a:rPr lang="zh-TW" altLang="en-US" sz="2800">
-                <a:latin typeface="微軟正黑體" panose="020B0604030504040204" charset="-120"/>
-                <a:ea typeface="微軟正黑體" panose="020B0604030504040204" charset="-120"/>
-                <a:cs typeface="微軟正黑體" panose="020B0604030504040204" charset="-120"/>
-                <a:sym typeface="+mn-ea"/>
-              </a:rPr>
-              <a:t>準確度差異與優缺點</a:t>
+              <a:t>後，再探討準確度差異與優缺點</a:t>
             </a:r>
             <a:r>
               <a:rPr lang="zh-TW" altLang="en-US" sz="2800">
@@ -8286,23 +8248,7 @@
                 <a:ea typeface="微軟正黑體" panose="020B0604030504040204" charset="-120"/>
                 <a:cs typeface="微軟正黑體" panose="020B0604030504040204" charset="-120"/>
               </a:rPr>
-              <a:t>與修正收盤價等</a:t>
-            </a:r>
-            <a:r>
-              <a:rPr lang="zh-TW" altLang="en-US" sz="2800">
-                <a:latin typeface="微軟正黑體" panose="020B0604030504040204" charset="-120"/>
-                <a:ea typeface="微軟正黑體" panose="020B0604030504040204" charset="-120"/>
-                <a:cs typeface="微軟正黑體" panose="020B0604030504040204" charset="-120"/>
-              </a:rPr>
-              <a:t>等性質，每個都屬於浮</a:t>
-            </a:r>
-            <a:r>
-              <a:rPr lang="zh-TW" altLang="en-US" sz="2800">
-                <a:latin typeface="微軟正黑體" panose="020B0604030504040204" charset="-120"/>
-                <a:ea typeface="微軟正黑體" panose="020B0604030504040204" charset="-120"/>
-                <a:cs typeface="微軟正黑體" panose="020B0604030504040204" charset="-120"/>
-              </a:rPr>
-              <a:t>點數資料，共計</a:t>
+              <a:t>與修正收盤價等等性質，每個都屬於浮點數資料，共計</a:t>
             </a:r>
             <a:r>
               <a:rPr lang="en-US" altLang="zh-TW" sz="2800">
